--- a/BabyCare.pptx
+++ b/BabyCare.pptx
@@ -121,6 +121,22 @@
       </a:defRPr>
     </a:lvl9pPr>
   </p:defaultTextStyle>
+  <p:extLst>
+    <p:ext uri="{EFAFB233-063F-42B5-8137-9DF3F51BA10A}">
+      <p15:sldGuideLst xmlns:p15="http://schemas.microsoft.com/office/powerpoint/2012/main">
+        <p15:guide id="1" orient="horz" pos="2160">
+          <p15:clr>
+            <a:srgbClr val="A4A3A4"/>
+          </p15:clr>
+        </p15:guide>
+        <p15:guide id="2" pos="2880">
+          <p15:clr>
+            <a:srgbClr val="A4A3A4"/>
+          </p15:clr>
+        </p15:guide>
+      </p15:sldGuideLst>
+    </p:ext>
+  </p:extLst>
 </p:presentation>
 </file>
 
@@ -173,7 +189,7 @@
             </a:lvl1pPr>
           </a:lstStyle>
           <a:p>
-            <a:endParaRPr lang="en-US"/>
+            <a:endParaRPr lang="en-US" dirty="0"/>
           </a:p>
         </p:txBody>
       </p:sp>
@@ -207,9 +223,9 @@
             <a:fld id="{D8B1A717-A0F4-488F-B4D2-DD6D5D9545FA}" type="datetimeFigureOut">
               <a:rPr lang="en-US" smtClean="0"/>
               <a:pPr/>
-              <a:t>10/27/2018</a:t>
+              <a:t>10/28/2018</a:t>
             </a:fld>
-            <a:endParaRPr lang="en-US"/>
+            <a:endParaRPr lang="en-US" dirty="0"/>
           </a:p>
         </p:txBody>
       </p:sp>
@@ -242,7 +258,7 @@
           <a:bodyPr vert="horz" lIns="91440" tIns="45720" rIns="91440" bIns="45720" rtlCol="0" anchor="ctr"/>
           <a:lstStyle/>
           <a:p>
-            <a:endParaRPr lang="en-US"/>
+            <a:endParaRPr lang="en-US" dirty="0"/>
           </a:p>
         </p:txBody>
       </p:sp>
@@ -333,7 +349,7 @@
             </a:lvl1pPr>
           </a:lstStyle>
           <a:p>
-            <a:endParaRPr lang="en-US"/>
+            <a:endParaRPr lang="en-US" dirty="0"/>
           </a:p>
         </p:txBody>
       </p:sp>
@@ -369,14 +385,14 @@
               <a:pPr/>
               <a:t>‹#›</a:t>
             </a:fld>
-            <a:endParaRPr lang="en-US"/>
+            <a:endParaRPr lang="en-US" dirty="0"/>
           </a:p>
         </p:txBody>
       </p:sp>
     </p:spTree>
     <p:extLst>
       <p:ext uri="{BB962C8B-B14F-4D97-AF65-F5344CB8AC3E}">
-        <p14:creationId xmlns="" xmlns:p14="http://schemas.microsoft.com/office/powerpoint/2010/main" val="3241297286"/>
+        <p14:creationId xmlns:p14="http://schemas.microsoft.com/office/powerpoint/2010/main" val="3241297286"/>
       </p:ext>
     </p:extLst>
   </p:cSld>
@@ -548,14 +564,14 @@
               <a:pPr/>
               <a:t>2</a:t>
             </a:fld>
-            <a:endParaRPr lang="en-US"/>
+            <a:endParaRPr lang="en-US" dirty="0"/>
           </a:p>
         </p:txBody>
       </p:sp>
     </p:spTree>
     <p:extLst>
       <p:ext uri="{BB962C8B-B14F-4D97-AF65-F5344CB8AC3E}">
-        <p14:creationId xmlns="" xmlns:p14="http://schemas.microsoft.com/office/powerpoint/2010/main" val="4043629722"/>
+        <p14:creationId xmlns:p14="http://schemas.microsoft.com/office/powerpoint/2010/main" val="4043629722"/>
       </p:ext>
     </p:extLst>
   </p:cSld>
@@ -637,14 +653,14 @@
               <a:pPr/>
               <a:t>7</a:t>
             </a:fld>
-            <a:endParaRPr lang="en-US"/>
+            <a:endParaRPr lang="en-US" dirty="0"/>
           </a:p>
         </p:txBody>
       </p:sp>
     </p:spTree>
     <p:extLst>
       <p:ext uri="{BB962C8B-B14F-4D97-AF65-F5344CB8AC3E}">
-        <p14:creationId xmlns="" xmlns:p14="http://schemas.microsoft.com/office/powerpoint/2010/main" val="4167341470"/>
+        <p14:creationId xmlns:p14="http://schemas.microsoft.com/office/powerpoint/2010/main" val="4167341470"/>
       </p:ext>
     </p:extLst>
   </p:cSld>
@@ -726,14 +742,14 @@
               <a:pPr/>
               <a:t>8</a:t>
             </a:fld>
-            <a:endParaRPr lang="en-US"/>
+            <a:endParaRPr lang="en-US" dirty="0"/>
           </a:p>
         </p:txBody>
       </p:sp>
     </p:spTree>
     <p:extLst>
       <p:ext uri="{BB962C8B-B14F-4D97-AF65-F5344CB8AC3E}">
-        <p14:creationId xmlns="" xmlns:p14="http://schemas.microsoft.com/office/powerpoint/2010/main" val="2692545577"/>
+        <p14:creationId xmlns:p14="http://schemas.microsoft.com/office/powerpoint/2010/main" val="2692545577"/>
       </p:ext>
     </p:extLst>
   </p:cSld>
@@ -925,9 +941,9 @@
             <a:fld id="{1D8BD707-D9CF-40AE-B4C6-C98DA3205C09}" type="datetimeFigureOut">
               <a:rPr lang="en-US" smtClean="0"/>
               <a:pPr/>
-              <a:t>10/27/2018</a:t>
+              <a:t>10/28/2018</a:t>
             </a:fld>
-            <a:endParaRPr lang="en-US"/>
+            <a:endParaRPr lang="en-US" dirty="0"/>
           </a:p>
         </p:txBody>
       </p:sp>
@@ -946,7 +962,7 @@
           <a:bodyPr/>
           <a:lstStyle/>
           <a:p>
-            <a:endParaRPr lang="en-US"/>
+            <a:endParaRPr lang="en-US" dirty="0"/>
           </a:p>
         </p:txBody>
       </p:sp>
@@ -970,14 +986,14 @@
               <a:pPr/>
               <a:t>‹#›</a:t>
             </a:fld>
-            <a:endParaRPr lang="en-US"/>
+            <a:endParaRPr lang="en-US" dirty="0"/>
           </a:p>
         </p:txBody>
       </p:sp>
     </p:spTree>
     <p:extLst>
       <p:ext uri="{BB962C8B-B14F-4D97-AF65-F5344CB8AC3E}">
-        <p14:creationId xmlns="" xmlns:p14="http://schemas.microsoft.com/office/powerpoint/2010/main" val="2008190112"/>
+        <p14:creationId xmlns:p14="http://schemas.microsoft.com/office/powerpoint/2010/main" val="2008190112"/>
       </p:ext>
     </p:extLst>
   </p:cSld>
@@ -1097,9 +1113,9 @@
             <a:fld id="{1D8BD707-D9CF-40AE-B4C6-C98DA3205C09}" type="datetimeFigureOut">
               <a:rPr lang="en-US" smtClean="0"/>
               <a:pPr/>
-              <a:t>10/27/2018</a:t>
+              <a:t>10/28/2018</a:t>
             </a:fld>
-            <a:endParaRPr lang="en-US"/>
+            <a:endParaRPr lang="en-US" dirty="0"/>
           </a:p>
         </p:txBody>
       </p:sp>
@@ -1118,7 +1134,7 @@
           <a:bodyPr/>
           <a:lstStyle/>
           <a:p>
-            <a:endParaRPr lang="en-US"/>
+            <a:endParaRPr lang="en-US" dirty="0"/>
           </a:p>
         </p:txBody>
       </p:sp>
@@ -1142,14 +1158,14 @@
               <a:pPr/>
               <a:t>‹#›</a:t>
             </a:fld>
-            <a:endParaRPr lang="en-US"/>
+            <a:endParaRPr lang="en-US" dirty="0"/>
           </a:p>
         </p:txBody>
       </p:sp>
     </p:spTree>
     <p:extLst>
       <p:ext uri="{BB962C8B-B14F-4D97-AF65-F5344CB8AC3E}">
-        <p14:creationId xmlns="" xmlns:p14="http://schemas.microsoft.com/office/powerpoint/2010/main" val="871038725"/>
+        <p14:creationId xmlns:p14="http://schemas.microsoft.com/office/powerpoint/2010/main" val="871038725"/>
       </p:ext>
     </p:extLst>
   </p:cSld>
@@ -1279,9 +1295,9 @@
             <a:fld id="{1D8BD707-D9CF-40AE-B4C6-C98DA3205C09}" type="datetimeFigureOut">
               <a:rPr lang="en-US" smtClean="0"/>
               <a:pPr/>
-              <a:t>10/27/2018</a:t>
+              <a:t>10/28/2018</a:t>
             </a:fld>
-            <a:endParaRPr lang="en-US"/>
+            <a:endParaRPr lang="en-US" dirty="0"/>
           </a:p>
         </p:txBody>
       </p:sp>
@@ -1300,7 +1316,7 @@
           <a:bodyPr/>
           <a:lstStyle/>
           <a:p>
-            <a:endParaRPr lang="en-US"/>
+            <a:endParaRPr lang="en-US" dirty="0"/>
           </a:p>
         </p:txBody>
       </p:sp>
@@ -1324,14 +1340,14 @@
               <a:pPr/>
               <a:t>‹#›</a:t>
             </a:fld>
-            <a:endParaRPr lang="en-US"/>
+            <a:endParaRPr lang="en-US" dirty="0"/>
           </a:p>
         </p:txBody>
       </p:sp>
     </p:spTree>
     <p:extLst>
       <p:ext uri="{BB962C8B-B14F-4D97-AF65-F5344CB8AC3E}">
-        <p14:creationId xmlns="" xmlns:p14="http://schemas.microsoft.com/office/powerpoint/2010/main" val="3833959518"/>
+        <p14:creationId xmlns:p14="http://schemas.microsoft.com/office/powerpoint/2010/main" val="3833959518"/>
       </p:ext>
     </p:extLst>
   </p:cSld>
@@ -1451,9 +1467,9 @@
             <a:fld id="{1D8BD707-D9CF-40AE-B4C6-C98DA3205C09}" type="datetimeFigureOut">
               <a:rPr lang="en-US" smtClean="0"/>
               <a:pPr/>
-              <a:t>10/27/2018</a:t>
+              <a:t>10/28/2018</a:t>
             </a:fld>
-            <a:endParaRPr lang="en-US"/>
+            <a:endParaRPr lang="en-US" dirty="0"/>
           </a:p>
         </p:txBody>
       </p:sp>
@@ -1472,7 +1488,7 @@
           <a:bodyPr/>
           <a:lstStyle/>
           <a:p>
-            <a:endParaRPr lang="en-US"/>
+            <a:endParaRPr lang="en-US" dirty="0"/>
           </a:p>
         </p:txBody>
       </p:sp>
@@ -1496,14 +1512,14 @@
               <a:pPr/>
               <a:t>‹#›</a:t>
             </a:fld>
-            <a:endParaRPr lang="en-US"/>
+            <a:endParaRPr lang="en-US" dirty="0"/>
           </a:p>
         </p:txBody>
       </p:sp>
     </p:spTree>
     <p:extLst>
       <p:ext uri="{BB962C8B-B14F-4D97-AF65-F5344CB8AC3E}">
-        <p14:creationId xmlns="" xmlns:p14="http://schemas.microsoft.com/office/powerpoint/2010/main" val="3733506985"/>
+        <p14:creationId xmlns:p14="http://schemas.microsoft.com/office/powerpoint/2010/main" val="3733506985"/>
       </p:ext>
     </p:extLst>
   </p:cSld>
@@ -1699,9 +1715,9 @@
             <a:fld id="{1D8BD707-D9CF-40AE-B4C6-C98DA3205C09}" type="datetimeFigureOut">
               <a:rPr lang="en-US" smtClean="0"/>
               <a:pPr/>
-              <a:t>10/27/2018</a:t>
+              <a:t>10/28/2018</a:t>
             </a:fld>
-            <a:endParaRPr lang="en-US"/>
+            <a:endParaRPr lang="en-US" dirty="0"/>
           </a:p>
         </p:txBody>
       </p:sp>
@@ -1720,7 +1736,7 @@
           <a:bodyPr/>
           <a:lstStyle/>
           <a:p>
-            <a:endParaRPr lang="en-US"/>
+            <a:endParaRPr lang="en-US" dirty="0"/>
           </a:p>
         </p:txBody>
       </p:sp>
@@ -1744,14 +1760,14 @@
               <a:pPr/>
               <a:t>‹#›</a:t>
             </a:fld>
-            <a:endParaRPr lang="en-US"/>
+            <a:endParaRPr lang="en-US" dirty="0"/>
           </a:p>
         </p:txBody>
       </p:sp>
     </p:spTree>
     <p:extLst>
       <p:ext uri="{BB962C8B-B14F-4D97-AF65-F5344CB8AC3E}">
-        <p14:creationId xmlns="" xmlns:p14="http://schemas.microsoft.com/office/powerpoint/2010/main" val="824295082"/>
+        <p14:creationId xmlns:p14="http://schemas.microsoft.com/office/powerpoint/2010/main" val="824295082"/>
       </p:ext>
     </p:extLst>
   </p:cSld>
@@ -1989,9 +2005,9 @@
             <a:fld id="{1D8BD707-D9CF-40AE-B4C6-C98DA3205C09}" type="datetimeFigureOut">
               <a:rPr lang="en-US" smtClean="0"/>
               <a:pPr/>
-              <a:t>10/27/2018</a:t>
+              <a:t>10/28/2018</a:t>
             </a:fld>
-            <a:endParaRPr lang="en-US"/>
+            <a:endParaRPr lang="en-US" dirty="0"/>
           </a:p>
         </p:txBody>
       </p:sp>
@@ -2010,7 +2026,7 @@
           <a:bodyPr/>
           <a:lstStyle/>
           <a:p>
-            <a:endParaRPr lang="en-US"/>
+            <a:endParaRPr lang="en-US" dirty="0"/>
           </a:p>
         </p:txBody>
       </p:sp>
@@ -2034,14 +2050,14 @@
               <a:pPr/>
               <a:t>‹#›</a:t>
             </a:fld>
-            <a:endParaRPr lang="en-US"/>
+            <a:endParaRPr lang="en-US" dirty="0"/>
           </a:p>
         </p:txBody>
       </p:sp>
     </p:spTree>
     <p:extLst>
       <p:ext uri="{BB962C8B-B14F-4D97-AF65-F5344CB8AC3E}">
-        <p14:creationId xmlns="" xmlns:p14="http://schemas.microsoft.com/office/powerpoint/2010/main" val="869261663"/>
+        <p14:creationId xmlns:p14="http://schemas.microsoft.com/office/powerpoint/2010/main" val="869261663"/>
       </p:ext>
     </p:extLst>
   </p:cSld>
@@ -2413,9 +2429,9 @@
             <a:fld id="{1D8BD707-D9CF-40AE-B4C6-C98DA3205C09}" type="datetimeFigureOut">
               <a:rPr lang="en-US" smtClean="0"/>
               <a:pPr/>
-              <a:t>10/27/2018</a:t>
+              <a:t>10/28/2018</a:t>
             </a:fld>
-            <a:endParaRPr lang="en-US"/>
+            <a:endParaRPr lang="en-US" dirty="0"/>
           </a:p>
         </p:txBody>
       </p:sp>
@@ -2434,7 +2450,7 @@
           <a:bodyPr/>
           <a:lstStyle/>
           <a:p>
-            <a:endParaRPr lang="en-US"/>
+            <a:endParaRPr lang="en-US" dirty="0"/>
           </a:p>
         </p:txBody>
       </p:sp>
@@ -2458,14 +2474,14 @@
               <a:pPr/>
               <a:t>‹#›</a:t>
             </a:fld>
-            <a:endParaRPr lang="en-US"/>
+            <a:endParaRPr lang="en-US" dirty="0"/>
           </a:p>
         </p:txBody>
       </p:sp>
     </p:spTree>
     <p:extLst>
       <p:ext uri="{BB962C8B-B14F-4D97-AF65-F5344CB8AC3E}">
-        <p14:creationId xmlns="" xmlns:p14="http://schemas.microsoft.com/office/powerpoint/2010/main" val="427662353"/>
+        <p14:creationId xmlns:p14="http://schemas.microsoft.com/office/powerpoint/2010/main" val="427662353"/>
       </p:ext>
     </p:extLst>
   </p:cSld>
@@ -2533,9 +2549,9 @@
             <a:fld id="{1D8BD707-D9CF-40AE-B4C6-C98DA3205C09}" type="datetimeFigureOut">
               <a:rPr lang="en-US" smtClean="0"/>
               <a:pPr/>
-              <a:t>10/27/2018</a:t>
+              <a:t>10/28/2018</a:t>
             </a:fld>
-            <a:endParaRPr lang="en-US"/>
+            <a:endParaRPr lang="en-US" dirty="0"/>
           </a:p>
         </p:txBody>
       </p:sp>
@@ -2554,7 +2570,7 @@
           <a:bodyPr/>
           <a:lstStyle/>
           <a:p>
-            <a:endParaRPr lang="en-US"/>
+            <a:endParaRPr lang="en-US" dirty="0"/>
           </a:p>
         </p:txBody>
       </p:sp>
@@ -2578,14 +2594,14 @@
               <a:pPr/>
               <a:t>‹#›</a:t>
             </a:fld>
-            <a:endParaRPr lang="en-US"/>
+            <a:endParaRPr lang="en-US" dirty="0"/>
           </a:p>
         </p:txBody>
       </p:sp>
     </p:spTree>
     <p:extLst>
       <p:ext uri="{BB962C8B-B14F-4D97-AF65-F5344CB8AC3E}">
-        <p14:creationId xmlns="" xmlns:p14="http://schemas.microsoft.com/office/powerpoint/2010/main" val="4287304073"/>
+        <p14:creationId xmlns:p14="http://schemas.microsoft.com/office/powerpoint/2010/main" val="4287304073"/>
       </p:ext>
     </p:extLst>
   </p:cSld>
@@ -2630,9 +2646,9 @@
             <a:fld id="{1D8BD707-D9CF-40AE-B4C6-C98DA3205C09}" type="datetimeFigureOut">
               <a:rPr lang="en-US" smtClean="0"/>
               <a:pPr/>
-              <a:t>10/27/2018</a:t>
+              <a:t>10/28/2018</a:t>
             </a:fld>
-            <a:endParaRPr lang="en-US"/>
+            <a:endParaRPr lang="en-US" dirty="0"/>
           </a:p>
         </p:txBody>
       </p:sp>
@@ -2651,7 +2667,7 @@
           <a:bodyPr/>
           <a:lstStyle/>
           <a:p>
-            <a:endParaRPr lang="en-US"/>
+            <a:endParaRPr lang="en-US" dirty="0"/>
           </a:p>
         </p:txBody>
       </p:sp>
@@ -2675,14 +2691,14 @@
               <a:pPr/>
               <a:t>‹#›</a:t>
             </a:fld>
-            <a:endParaRPr lang="en-US"/>
+            <a:endParaRPr lang="en-US" dirty="0"/>
           </a:p>
         </p:txBody>
       </p:sp>
     </p:spTree>
     <p:extLst>
       <p:ext uri="{BB962C8B-B14F-4D97-AF65-F5344CB8AC3E}">
-        <p14:creationId xmlns="" xmlns:p14="http://schemas.microsoft.com/office/powerpoint/2010/main" val="911778562"/>
+        <p14:creationId xmlns:p14="http://schemas.microsoft.com/office/powerpoint/2010/main" val="911778562"/>
       </p:ext>
     </p:extLst>
   </p:cSld>
@@ -2909,9 +2925,9 @@
             <a:fld id="{1D8BD707-D9CF-40AE-B4C6-C98DA3205C09}" type="datetimeFigureOut">
               <a:rPr lang="en-US" smtClean="0"/>
               <a:pPr/>
-              <a:t>10/27/2018</a:t>
+              <a:t>10/28/2018</a:t>
             </a:fld>
-            <a:endParaRPr lang="en-US"/>
+            <a:endParaRPr lang="en-US" dirty="0"/>
           </a:p>
         </p:txBody>
       </p:sp>
@@ -2930,7 +2946,7 @@
           <a:bodyPr/>
           <a:lstStyle/>
           <a:p>
-            <a:endParaRPr lang="en-US"/>
+            <a:endParaRPr lang="en-US" dirty="0"/>
           </a:p>
         </p:txBody>
       </p:sp>
@@ -2954,14 +2970,14 @@
               <a:pPr/>
               <a:t>‹#›</a:t>
             </a:fld>
-            <a:endParaRPr lang="en-US"/>
+            <a:endParaRPr lang="en-US" dirty="0"/>
           </a:p>
         </p:txBody>
       </p:sp>
     </p:spTree>
     <p:extLst>
       <p:ext uri="{BB962C8B-B14F-4D97-AF65-F5344CB8AC3E}">
-        <p14:creationId xmlns="" xmlns:p14="http://schemas.microsoft.com/office/powerpoint/2010/main" val="2826645676"/>
+        <p14:creationId xmlns:p14="http://schemas.microsoft.com/office/powerpoint/2010/main" val="2826645676"/>
       </p:ext>
     </p:extLst>
   </p:cSld>
@@ -3077,7 +3093,7 @@
             </a:lvl9pPr>
           </a:lstStyle>
           <a:p>
-            <a:endParaRPr lang="en-US"/>
+            <a:endParaRPr lang="en-US" dirty="0"/>
           </a:p>
         </p:txBody>
       </p:sp>
@@ -3164,9 +3180,9 @@
             <a:fld id="{1D8BD707-D9CF-40AE-B4C6-C98DA3205C09}" type="datetimeFigureOut">
               <a:rPr lang="en-US" smtClean="0"/>
               <a:pPr/>
-              <a:t>10/27/2018</a:t>
+              <a:t>10/28/2018</a:t>
             </a:fld>
-            <a:endParaRPr lang="en-US"/>
+            <a:endParaRPr lang="en-US" dirty="0"/>
           </a:p>
         </p:txBody>
       </p:sp>
@@ -3185,7 +3201,7 @@
           <a:bodyPr/>
           <a:lstStyle/>
           <a:p>
-            <a:endParaRPr lang="en-US"/>
+            <a:endParaRPr lang="en-US" dirty="0"/>
           </a:p>
         </p:txBody>
       </p:sp>
@@ -3209,14 +3225,14 @@
               <a:pPr/>
               <a:t>‹#›</a:t>
             </a:fld>
-            <a:endParaRPr lang="en-US"/>
+            <a:endParaRPr lang="en-US" dirty="0"/>
           </a:p>
         </p:txBody>
       </p:sp>
     </p:spTree>
     <p:extLst>
       <p:ext uri="{BB962C8B-B14F-4D97-AF65-F5344CB8AC3E}">
-        <p14:creationId xmlns="" xmlns:p14="http://schemas.microsoft.com/office/powerpoint/2010/main" val="1008267878"/>
+        <p14:creationId xmlns:p14="http://schemas.microsoft.com/office/powerpoint/2010/main" val="1008267878"/>
       </p:ext>
     </p:extLst>
   </p:cSld>
@@ -3379,9 +3395,9 @@
             <a:fld id="{1D8BD707-D9CF-40AE-B4C6-C98DA3205C09}" type="datetimeFigureOut">
               <a:rPr lang="en-US" smtClean="0"/>
               <a:pPr/>
-              <a:t>10/27/2018</a:t>
+              <a:t>10/28/2018</a:t>
             </a:fld>
-            <a:endParaRPr lang="en-US"/>
+            <a:endParaRPr lang="en-US" dirty="0"/>
           </a:p>
         </p:txBody>
       </p:sp>
@@ -3418,7 +3434,7 @@
             </a:lvl1pPr>
           </a:lstStyle>
           <a:p>
-            <a:endParaRPr lang="en-US"/>
+            <a:endParaRPr lang="en-US" dirty="0"/>
           </a:p>
         </p:txBody>
       </p:sp>
@@ -3460,14 +3476,14 @@
               <a:pPr/>
               <a:t>‹#›</a:t>
             </a:fld>
-            <a:endParaRPr lang="en-US"/>
+            <a:endParaRPr lang="en-US" dirty="0"/>
           </a:p>
         </p:txBody>
       </p:sp>
     </p:spTree>
     <p:extLst>
       <p:ext uri="{BB962C8B-B14F-4D97-AF65-F5344CB8AC3E}">
-        <p14:creationId xmlns="" xmlns:p14="http://schemas.microsoft.com/office/powerpoint/2010/main" val="4024534206"/>
+        <p14:creationId xmlns:p14="http://schemas.microsoft.com/office/powerpoint/2010/main" val="4024534206"/>
       </p:ext>
     </p:extLst>
   </p:cSld>
@@ -3770,7 +3786,7 @@
           <a:bodyPr/>
           <a:lstStyle/>
           <a:p>
-            <a:endParaRPr lang="en-US"/>
+            <a:endParaRPr lang="en-US" dirty="0"/>
           </a:p>
         </p:txBody>
       </p:sp>
@@ -3789,7 +3805,7 @@
           <a:bodyPr/>
           <a:lstStyle/>
           <a:p>
-            <a:endParaRPr lang="en-US"/>
+            <a:endParaRPr lang="en-US" dirty="0"/>
           </a:p>
         </p:txBody>
       </p:sp>
@@ -3829,7 +3845,7 @@
           <a:lstStyle/>
           <a:p>
             <a:pPr algn="ctr"/>
-            <a:endParaRPr lang="en-US"/>
+            <a:endParaRPr lang="en-US" dirty="0"/>
           </a:p>
         </p:txBody>
       </p:sp>
@@ -3990,7 +4006,7 @@
     </p:spTree>
     <p:extLst>
       <p:ext uri="{BB962C8B-B14F-4D97-AF65-F5344CB8AC3E}">
-        <p14:creationId xmlns="" xmlns:p14="http://schemas.microsoft.com/office/powerpoint/2010/main" val="3626892499"/>
+        <p14:creationId xmlns:p14="http://schemas.microsoft.com/office/powerpoint/2010/main" val="3626892499"/>
       </p:ext>
     </p:extLst>
   </p:cSld>
@@ -4136,7 +4152,7 @@
           <a:blip r:embed="rId2">
             <a:extLst>
               <a:ext uri="{28A0092B-C50C-407E-A947-70E740481C1C}">
-                <a14:useLocalDpi xmlns="" xmlns:a14="http://schemas.microsoft.com/office/drawing/2010/main" val="0"/>
+                <a14:useLocalDpi xmlns:a14="http://schemas.microsoft.com/office/drawing/2010/main" val="0"/>
               </a:ext>
             </a:extLst>
           </a:blip>
@@ -4159,14 +4175,14 @@
           </a:ln>
           <a:extLst>
             <a:ext uri="{909E8E84-426E-40DD-AFC4-6F175D3DCCD1}">
-              <a14:hiddenFill xmlns="" xmlns:a14="http://schemas.microsoft.com/office/drawing/2010/main">
+              <a14:hiddenFill xmlns:a14="http://schemas.microsoft.com/office/drawing/2010/main">
                 <a:solidFill>
                   <a:schemeClr val="accent1"/>
                 </a:solidFill>
               </a14:hiddenFill>
             </a:ext>
             <a:ext uri="{91240B29-F687-4F45-9708-019B960494DF}">
-              <a14:hiddenLine xmlns="" xmlns:a14="http://schemas.microsoft.com/office/drawing/2010/main" w="9525">
+              <a14:hiddenLine xmlns:a14="http://schemas.microsoft.com/office/drawing/2010/main" w="9525">
                 <a:solidFill>
                   <a:schemeClr val="tx1"/>
                 </a:solidFill>
@@ -4181,7 +4197,7 @@
     </p:spTree>
     <p:extLst>
       <p:ext uri="{BB962C8B-B14F-4D97-AF65-F5344CB8AC3E}">
-        <p14:creationId xmlns="" xmlns:p14="http://schemas.microsoft.com/office/powerpoint/2010/main" val="3270898623"/>
+        <p14:creationId xmlns:p14="http://schemas.microsoft.com/office/powerpoint/2010/main" val="3270898623"/>
       </p:ext>
     </p:extLst>
   </p:cSld>
@@ -4407,7 +4423,7 @@
           <a:blip r:embed="rId2">
             <a:extLst>
               <a:ext uri="{28A0092B-C50C-407E-A947-70E740481C1C}">
-                <a14:useLocalDpi xmlns="" xmlns:a14="http://schemas.microsoft.com/office/drawing/2010/main" val="0"/>
+                <a14:useLocalDpi xmlns:a14="http://schemas.microsoft.com/office/drawing/2010/main" val="0"/>
               </a:ext>
             </a:extLst>
           </a:blip>
@@ -4430,14 +4446,14 @@
           </a:ln>
           <a:extLst>
             <a:ext uri="{909E8E84-426E-40DD-AFC4-6F175D3DCCD1}">
-              <a14:hiddenFill xmlns="" xmlns:a14="http://schemas.microsoft.com/office/drawing/2010/main">
+              <a14:hiddenFill xmlns:a14="http://schemas.microsoft.com/office/drawing/2010/main">
                 <a:solidFill>
                   <a:schemeClr val="accent1"/>
                 </a:solidFill>
               </a14:hiddenFill>
             </a:ext>
             <a:ext uri="{91240B29-F687-4F45-9708-019B960494DF}">
-              <a14:hiddenLine xmlns="" xmlns:a14="http://schemas.microsoft.com/office/drawing/2010/main" w="9525">
+              <a14:hiddenLine xmlns:a14="http://schemas.microsoft.com/office/drawing/2010/main" w="9525">
                 <a:solidFill>
                   <a:schemeClr val="tx1"/>
                 </a:solidFill>
@@ -4452,7 +4468,7 @@
     </p:spTree>
     <p:extLst>
       <p:ext uri="{BB962C8B-B14F-4D97-AF65-F5344CB8AC3E}">
-        <p14:creationId xmlns="" xmlns:p14="http://schemas.microsoft.com/office/powerpoint/2010/main" val="1833829203"/>
+        <p14:creationId xmlns:p14="http://schemas.microsoft.com/office/powerpoint/2010/main" val="1833829203"/>
       </p:ext>
     </p:extLst>
   </p:cSld>
@@ -4559,77 +4575,7 @@
                 <a:latin typeface="Times New Roman" panose="02020603050405020304" pitchFamily="18" charset="0"/>
                 <a:cs typeface="Times New Roman" panose="02020603050405020304" pitchFamily="18" charset="0"/>
               </a:rPr>
-              <a:t>Phone message Reminder </a:t>
-            </a:r>
-            <a:r>
-              <a:rPr lang="en-US" sz="2400" dirty="0" smtClean="0">
-                <a:solidFill>
-                  <a:srgbClr val="FF0000"/>
-                </a:solidFill>
-                <a:latin typeface="Times New Roman" panose="02020603050405020304" pitchFamily="18" charset="0"/>
-                <a:cs typeface="Times New Roman" panose="02020603050405020304" pitchFamily="18" charset="0"/>
-              </a:rPr>
-              <a:t>system provides user an </a:t>
-            </a:r>
-            <a:r>
-              <a:rPr lang="en-US" sz="2400" dirty="0" smtClean="0">
-                <a:solidFill>
-                  <a:srgbClr val="FF0000"/>
-                </a:solidFill>
-                <a:latin typeface="Times New Roman" panose="02020603050405020304" pitchFamily="18" charset="0"/>
-                <a:cs typeface="Times New Roman" panose="02020603050405020304" pitchFamily="18" charset="0"/>
-              </a:rPr>
-              <a:t>SMS reminder </a:t>
-            </a:r>
-            <a:r>
-              <a:rPr lang="en-US" sz="2400" dirty="0" smtClean="0">
-                <a:solidFill>
-                  <a:srgbClr val="FF0000"/>
-                </a:solidFill>
-                <a:latin typeface="Times New Roman" panose="02020603050405020304" pitchFamily="18" charset="0"/>
-                <a:cs typeface="Times New Roman" panose="02020603050405020304" pitchFamily="18" charset="0"/>
-              </a:rPr>
-              <a:t>service and helps them to make sure their children get all necessary vaccinations by sending them reminder </a:t>
-            </a:r>
-            <a:r>
-              <a:rPr lang="en-US" sz="2400" dirty="0" smtClean="0">
-                <a:solidFill>
-                  <a:srgbClr val="FF0000"/>
-                </a:solidFill>
-                <a:latin typeface="Times New Roman" panose="02020603050405020304" pitchFamily="18" charset="0"/>
-                <a:cs typeface="Times New Roman" panose="02020603050405020304" pitchFamily="18" charset="0"/>
-              </a:rPr>
-              <a:t>SMS </a:t>
-            </a:r>
-            <a:r>
-              <a:rPr lang="en-US" sz="2400" dirty="0" smtClean="0">
-                <a:solidFill>
-                  <a:srgbClr val="FF0000"/>
-                </a:solidFill>
-                <a:latin typeface="Times New Roman" panose="02020603050405020304" pitchFamily="18" charset="0"/>
-                <a:cs typeface="Times New Roman" panose="02020603050405020304" pitchFamily="18" charset="0"/>
-              </a:rPr>
-              <a:t>on their registered </a:t>
-            </a:r>
-            <a:r>
-              <a:rPr lang="en-US" sz="2400" dirty="0" smtClean="0">
-                <a:solidFill>
-                  <a:srgbClr val="FF0000"/>
-                </a:solidFill>
-                <a:latin typeface="Times New Roman" panose="02020603050405020304" pitchFamily="18" charset="0"/>
-                <a:cs typeface="Times New Roman" panose="02020603050405020304" pitchFamily="18" charset="0"/>
-              </a:rPr>
-              <a:t>phone no. </a:t>
-            </a:r>
-            <a:r>
-              <a:rPr lang="en-US" sz="2400" dirty="0" smtClean="0">
-                <a:solidFill>
-                  <a:srgbClr val="FF0000"/>
-                </a:solidFill>
-                <a:latin typeface="Times New Roman" panose="02020603050405020304" pitchFamily="18" charset="0"/>
-                <a:cs typeface="Times New Roman" panose="02020603050405020304" pitchFamily="18" charset="0"/>
-              </a:rPr>
-              <a:t>prior to the scheduled vaccination date.</a:t>
+              <a:t>Phone message Reminder system provides user an SMS reminder service and helps them to make sure their children get all necessary vaccinations by sending them reminder SMS on their registered phone no. prior to the scheduled vaccination date.</a:t>
             </a:r>
           </a:p>
           <a:p>
@@ -4669,7 +4615,7 @@
     </p:spTree>
     <p:extLst>
       <p:ext uri="{BB962C8B-B14F-4D97-AF65-F5344CB8AC3E}">
-        <p14:creationId xmlns="" xmlns:p14="http://schemas.microsoft.com/office/powerpoint/2010/main" val="3993792613"/>
+        <p14:creationId xmlns:p14="http://schemas.microsoft.com/office/powerpoint/2010/main" val="3993792613"/>
       </p:ext>
     </p:extLst>
   </p:cSld>
@@ -4773,14 +4719,14 @@
               <a:t>This feature allows Parents to chat with doctors </a:t>
             </a:r>
             <a:r>
-              <a:rPr lang="en-US" sz="2400" dirty="0" err="1" smtClean="0">
+              <a:rPr lang="en-US" sz="2400" dirty="0" smtClean="0">
                 <a:solidFill>
                   <a:srgbClr val="FF0000"/>
                 </a:solidFill>
                 <a:latin typeface="Times New Roman" pitchFamily="18" charset="0"/>
                 <a:cs typeface="Times New Roman" pitchFamily="18" charset="0"/>
               </a:rPr>
-              <a:t>abour</a:t>
+              <a:t>about </a:t>
             </a:r>
             <a:r>
               <a:rPr lang="en-US" sz="2400" dirty="0" smtClean="0">
@@ -4790,8 +4736,10 @@
                 <a:latin typeface="Times New Roman" pitchFamily="18" charset="0"/>
                 <a:cs typeface="Times New Roman" pitchFamily="18" charset="0"/>
               </a:rPr>
-              <a:t> their Baby’s Vaccines. </a:t>
-            </a:r>
+              <a:t>their Baby’s Vaccines.  Get personalized advice from verified doctors anytime. </a:t>
+            </a:r>
+          </a:p>
+          <a:p>
             <a:r>
               <a:rPr lang="en-US" sz="2400" dirty="0" smtClean="0">
                 <a:solidFill>
@@ -4800,39 +4748,7 @@
                 <a:latin typeface="Times New Roman" pitchFamily="18" charset="0"/>
                 <a:cs typeface="Times New Roman" pitchFamily="18" charset="0"/>
               </a:rPr>
-              <a:t> Get personalized advice from verified </a:t>
-            </a:r>
-            <a:r>
-              <a:rPr lang="en-US" sz="2400" dirty="0" smtClean="0">
-                <a:solidFill>
-                  <a:srgbClr val="FF0000"/>
-                </a:solidFill>
-                <a:latin typeface="Times New Roman" pitchFamily="18" charset="0"/>
-                <a:cs typeface="Times New Roman" pitchFamily="18" charset="0"/>
-              </a:rPr>
-              <a:t>doctors anytime. </a:t>
-            </a:r>
-          </a:p>
-          <a:p>
-            <a:r>
-              <a:rPr lang="en-US" sz="2400" dirty="0" smtClean="0">
-                <a:solidFill>
-                  <a:srgbClr val="FF0000"/>
-                </a:solidFill>
-                <a:latin typeface="Times New Roman" pitchFamily="18" charset="0"/>
-                <a:cs typeface="Times New Roman" pitchFamily="18" charset="0"/>
-              </a:rPr>
-              <a:t>This feature is built upon Telegram Bot</a:t>
-            </a:r>
-            <a:r>
-              <a:rPr lang="en-US" sz="2400" dirty="0" smtClean="0">
-                <a:solidFill>
-                  <a:srgbClr val="FF0000"/>
-                </a:solidFill>
-                <a:latin typeface="Times New Roman" pitchFamily="18" charset="0"/>
-                <a:cs typeface="Times New Roman" pitchFamily="18" charset="0"/>
-              </a:rPr>
-              <a:t>. </a:t>
+              <a:t>This feature is built upon Telegram Bot. </a:t>
             </a:r>
             <a:endParaRPr lang="en-US" sz="2400" dirty="0">
               <a:solidFill>
@@ -4856,7 +4772,7 @@
           <a:blip r:embed="rId2">
             <a:extLst>
               <a:ext uri="{28A0092B-C50C-407E-A947-70E740481C1C}">
-                <a14:useLocalDpi xmlns="" xmlns:a14="http://schemas.microsoft.com/office/drawing/2010/main" val="0"/>
+                <a14:useLocalDpi xmlns:a14="http://schemas.microsoft.com/office/drawing/2010/main" val="0"/>
               </a:ext>
             </a:extLst>
           </a:blip>
@@ -4879,14 +4795,14 @@
           </a:ln>
           <a:extLst>
             <a:ext uri="{909E8E84-426E-40DD-AFC4-6F175D3DCCD1}">
-              <a14:hiddenFill xmlns="" xmlns:a14="http://schemas.microsoft.com/office/drawing/2010/main">
+              <a14:hiddenFill xmlns:a14="http://schemas.microsoft.com/office/drawing/2010/main">
                 <a:solidFill>
                   <a:schemeClr val="accent1"/>
                 </a:solidFill>
               </a14:hiddenFill>
             </a:ext>
             <a:ext uri="{91240B29-F687-4F45-9708-019B960494DF}">
-              <a14:hiddenLine xmlns="" xmlns:a14="http://schemas.microsoft.com/office/drawing/2010/main" w="9525">
+              <a14:hiddenLine xmlns:a14="http://schemas.microsoft.com/office/drawing/2010/main" w="9525">
                 <a:solidFill>
                   <a:schemeClr val="tx1"/>
                 </a:solidFill>
@@ -4901,7 +4817,7 @@
     </p:spTree>
     <p:extLst>
       <p:ext uri="{BB962C8B-B14F-4D97-AF65-F5344CB8AC3E}">
-        <p14:creationId xmlns="" xmlns:p14="http://schemas.microsoft.com/office/powerpoint/2010/main" val="1252851563"/>
+        <p14:creationId xmlns:p14="http://schemas.microsoft.com/office/powerpoint/2010/main" val="1252851563"/>
       </p:ext>
     </p:extLst>
   </p:cSld>
@@ -5027,7 +4943,7 @@
           <a:blip r:embed="rId2">
             <a:extLst>
               <a:ext uri="{28A0092B-C50C-407E-A947-70E740481C1C}">
-                <a14:useLocalDpi xmlns="" xmlns:a14="http://schemas.microsoft.com/office/drawing/2010/main" val="0"/>
+                <a14:useLocalDpi xmlns:a14="http://schemas.microsoft.com/office/drawing/2010/main" val="0"/>
               </a:ext>
             </a:extLst>
           </a:blip>
@@ -5050,14 +4966,14 @@
           </a:ln>
           <a:extLst>
             <a:ext uri="{909E8E84-426E-40DD-AFC4-6F175D3DCCD1}">
-              <a14:hiddenFill xmlns="" xmlns:a14="http://schemas.microsoft.com/office/drawing/2010/main">
+              <a14:hiddenFill xmlns:a14="http://schemas.microsoft.com/office/drawing/2010/main">
                 <a:solidFill>
                   <a:schemeClr val="accent1"/>
                 </a:solidFill>
               </a14:hiddenFill>
             </a:ext>
             <a:ext uri="{91240B29-F687-4F45-9708-019B960494DF}">
-              <a14:hiddenLine xmlns="" xmlns:a14="http://schemas.microsoft.com/office/drawing/2010/main" w="9525">
+              <a14:hiddenLine xmlns:a14="http://schemas.microsoft.com/office/drawing/2010/main" w="9525">
                 <a:solidFill>
                   <a:schemeClr val="tx1"/>
                 </a:solidFill>
@@ -5072,7 +4988,7 @@
     </p:spTree>
     <p:extLst>
       <p:ext uri="{BB962C8B-B14F-4D97-AF65-F5344CB8AC3E}">
-        <p14:creationId xmlns="" xmlns:p14="http://schemas.microsoft.com/office/powerpoint/2010/main" val="3570532247"/>
+        <p14:creationId xmlns:p14="http://schemas.microsoft.com/office/powerpoint/2010/main" val="3570532247"/>
       </p:ext>
     </p:extLst>
   </p:cSld>
@@ -5151,6 +5067,13 @@
   <p:clrMapOvr>
     <a:masterClrMapping/>
   </p:clrMapOvr>
+  <p:timing>
+    <p:tnLst>
+      <p:par>
+        <p:cTn id="1" dur="indefinite" restart="never" nodeType="tmRoot"/>
+      </p:par>
+    </p:tnLst>
+  </p:timing>
 </p:sld>
 </file>
 
@@ -5255,7 +5178,7 @@
           <a:lstStyle/>
           <a:p>
             <a:pPr algn="ctr"/>
-            <a:endParaRPr lang="en-US"/>
+            <a:endParaRPr lang="en-US" dirty="0"/>
           </a:p>
         </p:txBody>
       </p:sp>
@@ -5303,7 +5226,7 @@
           <a:lstStyle/>
           <a:p>
             <a:pPr algn="ctr"/>
-            <a:endParaRPr lang="en-US"/>
+            <a:endParaRPr lang="en-US" dirty="0"/>
           </a:p>
         </p:txBody>
       </p:sp>
@@ -5545,7 +5468,7 @@
     </p:spTree>
     <p:extLst>
       <p:ext uri="{BB962C8B-B14F-4D97-AF65-F5344CB8AC3E}">
-        <p14:creationId xmlns="" xmlns:p14="http://schemas.microsoft.com/office/powerpoint/2010/main" val="728777199"/>
+        <p14:creationId xmlns:p14="http://schemas.microsoft.com/office/powerpoint/2010/main" val="728777199"/>
       </p:ext>
     </p:extLst>
   </p:cSld>
@@ -5633,7 +5556,7 @@
           <a:blip r:embed="rId2">
             <a:extLst>
               <a:ext uri="{28A0092B-C50C-407E-A947-70E740481C1C}">
-                <a14:useLocalDpi xmlns="" xmlns:a14="http://schemas.microsoft.com/office/drawing/2010/main" val="0"/>
+                <a14:useLocalDpi xmlns:a14="http://schemas.microsoft.com/office/drawing/2010/main" val="0"/>
               </a:ext>
             </a:extLst>
           </a:blip>
@@ -5654,14 +5577,14 @@
           </a:ln>
           <a:extLst>
             <a:ext uri="{909E8E84-426E-40DD-AFC4-6F175D3DCCD1}">
-              <a14:hiddenFill xmlns="" xmlns:a14="http://schemas.microsoft.com/office/drawing/2010/main">
+              <a14:hiddenFill xmlns:a14="http://schemas.microsoft.com/office/drawing/2010/main">
                 <a:solidFill>
                   <a:schemeClr val="accent1"/>
                 </a:solidFill>
               </a14:hiddenFill>
             </a:ext>
             <a:ext uri="{91240B29-F687-4F45-9708-019B960494DF}">
-              <a14:hiddenLine xmlns="" xmlns:a14="http://schemas.microsoft.com/office/drawing/2010/main" w="9525">
+              <a14:hiddenLine xmlns:a14="http://schemas.microsoft.com/office/drawing/2010/main" w="9525">
                 <a:solidFill>
                   <a:schemeClr val="tx1"/>
                 </a:solidFill>
@@ -5676,7 +5599,7 @@
     </p:spTree>
     <p:extLst>
       <p:ext uri="{BB962C8B-B14F-4D97-AF65-F5344CB8AC3E}">
-        <p14:creationId xmlns="" xmlns:p14="http://schemas.microsoft.com/office/powerpoint/2010/main" val="2452002649"/>
+        <p14:creationId xmlns:p14="http://schemas.microsoft.com/office/powerpoint/2010/main" val="2452002649"/>
       </p:ext>
     </p:extLst>
   </p:cSld>
@@ -5760,7 +5683,7 @@
             <a:lstStyle/>
             <a:p>
               <a:pPr algn="ctr"/>
-              <a:endParaRPr lang="en-US"/>
+              <a:endParaRPr lang="en-US" dirty="0"/>
             </a:p>
           </p:txBody>
         </p:sp>
@@ -5776,7 +5699,7 @@
             <a:blip r:embed="rId2">
               <a:extLst>
                 <a:ext uri="{28A0092B-C50C-407E-A947-70E740481C1C}">
-                  <a14:useLocalDpi xmlns="" xmlns:a14="http://schemas.microsoft.com/office/drawing/2010/main" val="0"/>
+                  <a14:useLocalDpi xmlns:a14="http://schemas.microsoft.com/office/drawing/2010/main" val="0"/>
                 </a:ext>
               </a:extLst>
             </a:blip>
@@ -5799,14 +5722,14 @@
             </a:ln>
             <a:extLst>
               <a:ext uri="{909E8E84-426E-40DD-AFC4-6F175D3DCCD1}">
-                <a14:hiddenFill xmlns="" xmlns:a14="http://schemas.microsoft.com/office/drawing/2010/main">
+                <a14:hiddenFill xmlns:a14="http://schemas.microsoft.com/office/drawing/2010/main">
                   <a:solidFill>
                     <a:schemeClr val="accent1"/>
                   </a:solidFill>
                 </a14:hiddenFill>
               </a:ext>
               <a:ext uri="{91240B29-F687-4F45-9708-019B960494DF}">
-                <a14:hiddenLine xmlns="" xmlns:a14="http://schemas.microsoft.com/office/drawing/2010/main" w="9525">
+                <a14:hiddenLine xmlns:a14="http://schemas.microsoft.com/office/drawing/2010/main" w="9525">
                   <a:solidFill>
                     <a:schemeClr val="tx1"/>
                   </a:solidFill>
@@ -5864,7 +5787,7 @@
     </p:spTree>
     <p:extLst>
       <p:ext uri="{BB962C8B-B14F-4D97-AF65-F5344CB8AC3E}">
-        <p14:creationId xmlns="" xmlns:p14="http://schemas.microsoft.com/office/powerpoint/2010/main" val="1570374579"/>
+        <p14:creationId xmlns:p14="http://schemas.microsoft.com/office/powerpoint/2010/main" val="1570374579"/>
       </p:ext>
     </p:extLst>
   </p:cSld>
@@ -5913,7 +5836,7 @@
           <a:bodyPr/>
           <a:lstStyle/>
           <a:p>
-            <a:endParaRPr lang="en-US"/>
+            <a:endParaRPr lang="en-US" dirty="0"/>
           </a:p>
         </p:txBody>
       </p:sp>
@@ -5932,7 +5855,7 @@
           <a:bodyPr/>
           <a:lstStyle/>
           <a:p>
-            <a:endParaRPr lang="en-US"/>
+            <a:endParaRPr lang="en-US" dirty="0"/>
           </a:p>
         </p:txBody>
       </p:sp>
@@ -5948,7 +5871,7 @@
           <a:blip r:embed="rId2">
             <a:extLst>
               <a:ext uri="{28A0092B-C50C-407E-A947-70E740481C1C}">
-                <a14:useLocalDpi xmlns="" xmlns:a14="http://schemas.microsoft.com/office/drawing/2010/main" val="0"/>
+                <a14:useLocalDpi xmlns:a14="http://schemas.microsoft.com/office/drawing/2010/main" val="0"/>
               </a:ext>
             </a:extLst>
           </a:blip>
@@ -5971,14 +5894,14 @@
           </a:ln>
           <a:extLst>
             <a:ext uri="{909E8E84-426E-40DD-AFC4-6F175D3DCCD1}">
-              <a14:hiddenFill xmlns="" xmlns:a14="http://schemas.microsoft.com/office/drawing/2010/main">
+              <a14:hiddenFill xmlns:a14="http://schemas.microsoft.com/office/drawing/2010/main">
                 <a:solidFill>
                   <a:schemeClr val="accent1"/>
                 </a:solidFill>
               </a14:hiddenFill>
             </a:ext>
             <a:ext uri="{91240B29-F687-4F45-9708-019B960494DF}">
-              <a14:hiddenLine xmlns="" xmlns:a14="http://schemas.microsoft.com/office/drawing/2010/main" w="9525">
+              <a14:hiddenLine xmlns:a14="http://schemas.microsoft.com/office/drawing/2010/main" w="9525">
                 <a:solidFill>
                   <a:schemeClr val="tx1"/>
                 </a:solidFill>
@@ -5993,7 +5916,7 @@
     </p:spTree>
     <p:extLst>
       <p:ext uri="{BB962C8B-B14F-4D97-AF65-F5344CB8AC3E}">
-        <p14:creationId xmlns="" xmlns:p14="http://schemas.microsoft.com/office/powerpoint/2010/main" val="4139602936"/>
+        <p14:creationId xmlns:p14="http://schemas.microsoft.com/office/powerpoint/2010/main" val="4139602936"/>
       </p:ext>
     </p:extLst>
   </p:cSld>
@@ -6042,7 +5965,7 @@
           <a:bodyPr/>
           <a:lstStyle/>
           <a:p>
-            <a:endParaRPr lang="en-US"/>
+            <a:endParaRPr lang="en-US" dirty="0"/>
           </a:p>
         </p:txBody>
       </p:sp>
@@ -6058,7 +5981,7 @@
           <a:blip r:embed="rId2">
             <a:extLst>
               <a:ext uri="{28A0092B-C50C-407E-A947-70E740481C1C}">
-                <a14:useLocalDpi xmlns="" xmlns:a14="http://schemas.microsoft.com/office/drawing/2010/main" val="0"/>
+                <a14:useLocalDpi xmlns:a14="http://schemas.microsoft.com/office/drawing/2010/main" val="0"/>
               </a:ext>
             </a:extLst>
           </a:blip>
@@ -6081,14 +6004,14 @@
           </a:ln>
           <a:extLst>
             <a:ext uri="{909E8E84-426E-40DD-AFC4-6F175D3DCCD1}">
-              <a14:hiddenFill xmlns="" xmlns:a14="http://schemas.microsoft.com/office/drawing/2010/main">
+              <a14:hiddenFill xmlns:a14="http://schemas.microsoft.com/office/drawing/2010/main">
                 <a:solidFill>
                   <a:schemeClr val="accent1"/>
                 </a:solidFill>
               </a14:hiddenFill>
             </a:ext>
             <a:ext uri="{91240B29-F687-4F45-9708-019B960494DF}">
-              <a14:hiddenLine xmlns="" xmlns:a14="http://schemas.microsoft.com/office/drawing/2010/main" w="9525">
+              <a14:hiddenLine xmlns:a14="http://schemas.microsoft.com/office/drawing/2010/main" w="9525">
                 <a:solidFill>
                   <a:schemeClr val="tx1"/>
                 </a:solidFill>
@@ -6103,7 +6026,7 @@
     </p:spTree>
     <p:extLst>
       <p:ext uri="{BB962C8B-B14F-4D97-AF65-F5344CB8AC3E}">
-        <p14:creationId xmlns="" xmlns:p14="http://schemas.microsoft.com/office/powerpoint/2010/main" val="3897968594"/>
+        <p14:creationId xmlns:p14="http://schemas.microsoft.com/office/powerpoint/2010/main" val="3897968594"/>
       </p:ext>
     </p:extLst>
   </p:cSld>
@@ -6362,7 +6285,7 @@
               <a:t>at vaccination </a:t>
             </a:r>
             <a:r>
-              <a:rPr lang="en-US" sz="2400" dirty="0" err="1" smtClean="0">
+              <a:rPr lang="en-US" sz="2400" dirty="0" smtClean="0">
                 <a:solidFill>
                   <a:srgbClr val="FF0000"/>
                 </a:solidFill>
@@ -6441,7 +6364,7 @@
     </p:spTree>
     <p:extLst>
       <p:ext uri="{BB962C8B-B14F-4D97-AF65-F5344CB8AC3E}">
-        <p14:creationId xmlns="" xmlns:p14="http://schemas.microsoft.com/office/powerpoint/2010/main" val="2075568270"/>
+        <p14:creationId xmlns:p14="http://schemas.microsoft.com/office/powerpoint/2010/main" val="2075568270"/>
       </p:ext>
     </p:extLst>
   </p:cSld>
@@ -6569,14 +6492,14 @@
               <a:t>Parents unable to locate vaccination </a:t>
             </a:r>
             <a:r>
-              <a:rPr lang="en-US" sz="2400" dirty="0" err="1" smtClean="0">
+              <a:rPr lang="en-US" sz="2400" dirty="0" smtClean="0">
                 <a:solidFill>
                   <a:srgbClr val="FF0000"/>
                 </a:solidFill>
                 <a:latin typeface="Times New Roman" panose="02020603050405020304" pitchFamily="18" charset="0"/>
                 <a:cs typeface="Times New Roman" panose="02020603050405020304" pitchFamily="18" charset="0"/>
               </a:rPr>
-              <a:t>centre</a:t>
+              <a:t>center </a:t>
             </a:r>
             <a:r>
               <a:rPr lang="en-US" sz="2400" dirty="0" smtClean="0">
@@ -6586,7 +6509,7 @@
                 <a:latin typeface="Times New Roman" panose="02020603050405020304" pitchFamily="18" charset="0"/>
                 <a:cs typeface="Times New Roman" panose="02020603050405020304" pitchFamily="18" charset="0"/>
               </a:rPr>
-              <a:t> near them.</a:t>
+              <a:t>near them.</a:t>
             </a:r>
           </a:p>
           <a:p>
@@ -6670,7 +6593,7 @@
     </p:spTree>
     <p:extLst>
       <p:ext uri="{BB962C8B-B14F-4D97-AF65-F5344CB8AC3E}">
-        <p14:creationId xmlns="" xmlns:p14="http://schemas.microsoft.com/office/powerpoint/2010/main" val="1193909391"/>
+        <p14:creationId xmlns:p14="http://schemas.microsoft.com/office/powerpoint/2010/main" val="1193909391"/>
       </p:ext>
     </p:extLst>
   </p:cSld>
@@ -6792,17 +6715,17 @@
                 <a:latin typeface="Times New Roman" panose="02020603050405020304" pitchFamily="18" charset="0"/>
                 <a:cs typeface="Times New Roman" panose="02020603050405020304" pitchFamily="18" charset="0"/>
               </a:rPr>
-              <a:t>user </a:t>
-            </a:r>
-            <a:r>
-              <a:rPr lang="en-US" sz="2400" dirty="0" smtClean="0">
+              <a:t>user an Email reminder service and </a:t>
+            </a:r>
+            <a:r>
+              <a:rPr lang="en-US" sz="2400" dirty="0">
                 <a:solidFill>
                   <a:srgbClr val="FF0000"/>
                 </a:solidFill>
                 <a:latin typeface="Times New Roman" panose="02020603050405020304" pitchFamily="18" charset="0"/>
                 <a:cs typeface="Times New Roman" panose="02020603050405020304" pitchFamily="18" charset="0"/>
               </a:rPr>
-              <a:t>an Email </a:t>
+              <a:t>helps </a:t>
             </a:r>
             <a:r>
               <a:rPr lang="en-US" sz="2400" dirty="0" smtClean="0">
@@ -6812,7 +6735,7 @@
                 <a:latin typeface="Times New Roman" panose="02020603050405020304" pitchFamily="18" charset="0"/>
                 <a:cs typeface="Times New Roman" panose="02020603050405020304" pitchFamily="18" charset="0"/>
               </a:rPr>
-              <a:t>reminder service and </a:t>
+              <a:t>them to </a:t>
             </a:r>
             <a:r>
               <a:rPr lang="en-US" sz="2400" dirty="0">
@@ -6822,7 +6745,7 @@
                 <a:latin typeface="Times New Roman" panose="02020603050405020304" pitchFamily="18" charset="0"/>
                 <a:cs typeface="Times New Roman" panose="02020603050405020304" pitchFamily="18" charset="0"/>
               </a:rPr>
-              <a:t>helps </a:t>
+              <a:t>make sure </a:t>
             </a:r>
             <a:r>
               <a:rPr lang="en-US" sz="2400" dirty="0" smtClean="0">
@@ -6832,7 +6755,7 @@
                 <a:latin typeface="Times New Roman" panose="02020603050405020304" pitchFamily="18" charset="0"/>
                 <a:cs typeface="Times New Roman" panose="02020603050405020304" pitchFamily="18" charset="0"/>
               </a:rPr>
-              <a:t>them to </a:t>
+              <a:t>their children get </a:t>
             </a:r>
             <a:r>
               <a:rPr lang="en-US" sz="2400" dirty="0">
@@ -6842,7 +6765,7 @@
                 <a:latin typeface="Times New Roman" panose="02020603050405020304" pitchFamily="18" charset="0"/>
                 <a:cs typeface="Times New Roman" panose="02020603050405020304" pitchFamily="18" charset="0"/>
               </a:rPr>
-              <a:t>make sure </a:t>
+              <a:t>all necessary vaccinations by sending </a:t>
             </a:r>
             <a:r>
               <a:rPr lang="en-US" sz="2400" dirty="0" smtClean="0">
@@ -6852,67 +6775,7 @@
                 <a:latin typeface="Times New Roman" panose="02020603050405020304" pitchFamily="18" charset="0"/>
                 <a:cs typeface="Times New Roman" panose="02020603050405020304" pitchFamily="18" charset="0"/>
               </a:rPr>
-              <a:t>their children get </a:t>
-            </a:r>
-            <a:r>
-              <a:rPr lang="en-US" sz="2400" dirty="0">
-                <a:solidFill>
-                  <a:srgbClr val="FF0000"/>
-                </a:solidFill>
-                <a:latin typeface="Times New Roman" panose="02020603050405020304" pitchFamily="18" charset="0"/>
-                <a:cs typeface="Times New Roman" panose="02020603050405020304" pitchFamily="18" charset="0"/>
-              </a:rPr>
-              <a:t>all necessary vaccinations by sending </a:t>
-            </a:r>
-            <a:r>
-              <a:rPr lang="en-US" sz="2400" dirty="0" smtClean="0">
-                <a:solidFill>
-                  <a:srgbClr val="FF0000"/>
-                </a:solidFill>
-                <a:latin typeface="Times New Roman" panose="02020603050405020304" pitchFamily="18" charset="0"/>
-                <a:cs typeface="Times New Roman" panose="02020603050405020304" pitchFamily="18" charset="0"/>
-              </a:rPr>
-              <a:t>them reminder </a:t>
-            </a:r>
-            <a:r>
-              <a:rPr lang="en-US" sz="2400" dirty="0" smtClean="0">
-                <a:solidFill>
-                  <a:srgbClr val="FF0000"/>
-                </a:solidFill>
-                <a:latin typeface="Times New Roman" panose="02020603050405020304" pitchFamily="18" charset="0"/>
-                <a:cs typeface="Times New Roman" panose="02020603050405020304" pitchFamily="18" charset="0"/>
-              </a:rPr>
-              <a:t>Emails</a:t>
-            </a:r>
-            <a:r>
-              <a:rPr lang="en-US" sz="2400" dirty="0" smtClean="0">
-                <a:solidFill>
-                  <a:srgbClr val="FF0000"/>
-                </a:solidFill>
-                <a:latin typeface="Times New Roman" panose="02020603050405020304" pitchFamily="18" charset="0"/>
-                <a:cs typeface="Times New Roman" panose="02020603050405020304" pitchFamily="18" charset="0"/>
-              </a:rPr>
-              <a:t> </a:t>
-            </a:r>
-            <a:r>
-              <a:rPr lang="en-US" sz="2400" dirty="0" smtClean="0">
-                <a:solidFill>
-                  <a:srgbClr val="FF0000"/>
-                </a:solidFill>
-                <a:latin typeface="Times New Roman" panose="02020603050405020304" pitchFamily="18" charset="0"/>
-                <a:cs typeface="Times New Roman" panose="02020603050405020304" pitchFamily="18" charset="0"/>
-              </a:rPr>
-              <a:t>on their registered </a:t>
-            </a:r>
-            <a:r>
-              <a:rPr lang="en-US" sz="2400" dirty="0" smtClean="0">
-                <a:solidFill>
-                  <a:srgbClr val="FF0000"/>
-                </a:solidFill>
-                <a:latin typeface="Times New Roman" panose="02020603050405020304" pitchFamily="18" charset="0"/>
-                <a:cs typeface="Times New Roman" panose="02020603050405020304" pitchFamily="18" charset="0"/>
-              </a:rPr>
-              <a:t>email </a:t>
+              <a:t>them reminder Emails on their registered email </a:t>
             </a:r>
             <a:r>
               <a:rPr lang="en-US" sz="2400" dirty="0">
@@ -6979,7 +6842,7 @@
           <a:blip r:embed="rId2">
             <a:extLst>
               <a:ext uri="{28A0092B-C50C-407E-A947-70E740481C1C}">
-                <a14:useLocalDpi xmlns="" xmlns:a14="http://schemas.microsoft.com/office/drawing/2010/main" val="0"/>
+                <a14:useLocalDpi xmlns:a14="http://schemas.microsoft.com/office/drawing/2010/main" val="0"/>
               </a:ext>
             </a:extLst>
           </a:blip>
@@ -7002,14 +6865,14 @@
           </a:ln>
           <a:extLst>
             <a:ext uri="{909E8E84-426E-40DD-AFC4-6F175D3DCCD1}">
-              <a14:hiddenFill xmlns="" xmlns:a14="http://schemas.microsoft.com/office/drawing/2010/main">
+              <a14:hiddenFill xmlns:a14="http://schemas.microsoft.com/office/drawing/2010/main">
                 <a:solidFill>
                   <a:schemeClr val="accent1"/>
                 </a:solidFill>
               </a14:hiddenFill>
             </a:ext>
             <a:ext uri="{91240B29-F687-4F45-9708-019B960494DF}">
-              <a14:hiddenLine xmlns="" xmlns:a14="http://schemas.microsoft.com/office/drawing/2010/main" w="9525">
+              <a14:hiddenLine xmlns:a14="http://schemas.microsoft.com/office/drawing/2010/main" w="9525">
                 <a:solidFill>
                   <a:schemeClr val="tx1"/>
                 </a:solidFill>
@@ -7024,7 +6887,7 @@
     </p:spTree>
     <p:extLst>
       <p:ext uri="{BB962C8B-B14F-4D97-AF65-F5344CB8AC3E}">
-        <p14:creationId xmlns="" xmlns:p14="http://schemas.microsoft.com/office/powerpoint/2010/main" val="4254734420"/>
+        <p14:creationId xmlns:p14="http://schemas.microsoft.com/office/powerpoint/2010/main" val="4254734420"/>
       </p:ext>
     </p:extLst>
   </p:cSld>
